--- a/TP-Final/TPF_MP3_Grupo5/docs/Final - Labo de Micros.pptx
+++ b/TP-Final/TPF_MP3_Grupo5/docs/Final - Labo de Micros.pptx
@@ -10934,7 +10934,7 @@
             </a:pPr>
             <a:r>
               <a:rPr lang="en-GB" sz="2400"/>
-              <a:t>Siguiente canción</a:t>
+              <a:t>Anterior canción</a:t>
             </a:r>
             <a:endParaRPr sz="2400"/>
           </a:p>
@@ -10974,7 +10974,7 @@
             </a:pPr>
             <a:r>
               <a:rPr lang="en-GB" sz="2400"/>
-              <a:t>Anterior</a:t>
+              <a:t>Siguiente</a:t>
             </a:r>
             <a:r>
               <a:rPr lang="en-GB" sz="2400"/>
@@ -12027,7 +12027,11 @@
             </a:pPr>
             <a:r>
               <a:rPr lang="en-GB" sz="2400"/>
-              <a:t>Siguiente efecto</a:t>
+              <a:t>Anterior</a:t>
+            </a:r>
+            <a:r>
+              <a:rPr lang="en-GB" sz="2400"/>
+              <a:t> efecto</a:t>
             </a:r>
             <a:endParaRPr sz="2400"/>
           </a:p>
@@ -12067,7 +12071,11 @@
             </a:pPr>
             <a:r>
               <a:rPr lang="en-GB" sz="2400"/>
-              <a:t>Anterior efecto</a:t>
+              <a:t>Siguiente</a:t>
+            </a:r>
+            <a:r>
+              <a:rPr lang="en-GB" sz="2400"/>
+              <a:t> efecto</a:t>
             </a:r>
             <a:endParaRPr sz="2400"/>
           </a:p>
@@ -13617,7 +13625,11 @@
             </a:pPr>
             <a:r>
               <a:rPr lang="en-GB" sz="2400"/>
-              <a:t>Siguiente canción</a:t>
+              <a:t>Anterior </a:t>
+            </a:r>
+            <a:r>
+              <a:rPr lang="en-GB" sz="2400"/>
+              <a:t>canción</a:t>
             </a:r>
             <a:endParaRPr sz="2400"/>
           </a:p>
@@ -13657,7 +13669,7 @@
             </a:pPr>
             <a:r>
               <a:rPr lang="en-GB" sz="2400"/>
-              <a:t>Anterior canción</a:t>
+              <a:t>Siguiente canción</a:t>
             </a:r>
             <a:endParaRPr sz="2400"/>
           </a:p>
@@ -14326,7 +14338,7 @@
                 <a:cs typeface="Lato"/>
                 <a:sym typeface="Lato"/>
               </a:rPr>
-              <a:t>Las opciones de efectos son default (Sin efectos), rock, jazz, pop, classic, costum donde en custom se podrá elegir el valor de la ganancia en dB de los filtros de banda 80Hz Band  (160 Hz, 320 Hz, 640 Hz, 1.28 kHz , 2.5 kHz, 5 kHz y 10kHz)</a:t>
+              <a:t>Las opciones de efectos son default (Sin efectos), rock, jazz, pop y classic, costum donde en custom se podrá elegir el valor de la ganancia en dB de los filtros de banda 80Hz Band  (160 Hz, 320 Hz, 640 Hz, 1.28 kHz , 2.5 kHz, 5 kHz y 10kHz)</a:t>
             </a:r>
             <a:endParaRPr sz="2000">
               <a:solidFill>
